--- a/Presentation/SingleStoreDB+Defense.pptx
+++ b/Presentation/SingleStoreDB+Defense.pptx
@@ -5,15 +5,14 @@
     <p:sldMasterId id="2147483810" r:id="rId1"/>
   </p:sldMasterIdLst>
   <p:notesMasterIdLst>
-    <p:notesMasterId r:id="rId8"/>
+    <p:notesMasterId r:id="rId7"/>
   </p:notesMasterIdLst>
   <p:sldIdLst>
     <p:sldId id="256" r:id="rId2"/>
     <p:sldId id="257" r:id="rId3"/>
     <p:sldId id="258" r:id="rId4"/>
     <p:sldId id="259" r:id="rId5"/>
-    <p:sldId id="260" r:id="rId6"/>
-    <p:sldId id="261" r:id="rId7"/>
+    <p:sldId id="261" r:id="rId6"/>
   </p:sldIdLst>
   <p:sldSz cx="12192000" cy="6858000"/>
   <p:notesSz cx="6858000" cy="9144000"/>
@@ -112,6 +111,11 @@
       </a:defRPr>
     </a:lvl9pPr>
   </p:defaultTextStyle>
+  <p:extLst>
+    <p:ext uri="{EFAFB233-063F-42B5-8137-9DF3F51BA10A}">
+      <p15:sldGuideLst xmlns:p15="http://schemas.microsoft.com/office/powerpoint/2012/main"/>
+    </p:ext>
+  </p:extLst>
 </p:presentation>
 </file>
 
@@ -197,7 +201,7 @@
           <a:p>
             <a:fld id="{436E2E3B-9FEE-A74E-9FB8-02D319A07044}" type="datetimeFigureOut">
               <a:rPr lang="en-US" smtClean="0"/>
-              <a:t>11/8/24</a:t>
+              <a:t>11/14/24</a:t>
             </a:fld>
             <a:endParaRPr lang="en-US"/>
           </a:p>
@@ -748,114 +752,6 @@
         <p:cNvPr id="1" name="">
           <a:extLst>
             <a:ext uri="{FF2B5EF4-FFF2-40B4-BE49-F238E27FC236}">
-              <a16:creationId xmlns:a16="http://schemas.microsoft.com/office/drawing/2014/main" id="{8C3CE758-CDFE-C1D5-8EE8-7DECB088D2CA}"/>
-            </a:ext>
-          </a:extLst>
-        </p:cNvPr>
-        <p:cNvGrpSpPr/>
-        <p:nvPr/>
-      </p:nvGrpSpPr>
-      <p:grpSpPr>
-        <a:xfrm>
-          <a:off x="0" y="0"/>
-          <a:ext cx="0" cy="0"/>
-          <a:chOff x="0" y="0"/>
-          <a:chExt cx="0" cy="0"/>
-        </a:xfrm>
-      </p:grpSpPr>
-      <p:sp>
-        <p:nvSpPr>
-          <p:cNvPr id="2" name="Slide Image Placeholder 1">
-            <a:extLst>
-              <a:ext uri="{FF2B5EF4-FFF2-40B4-BE49-F238E27FC236}">
-                <a16:creationId xmlns:a16="http://schemas.microsoft.com/office/drawing/2014/main" id="{0D41322C-8704-9FFE-ED56-F9E24ADB2011}"/>
-              </a:ext>
-            </a:extLst>
-          </p:cNvPr>
-          <p:cNvSpPr>
-            <a:spLocks noGrp="1" noRot="1" noChangeAspect="1"/>
-          </p:cNvSpPr>
-          <p:nvPr>
-            <p:ph type="sldImg"/>
-          </p:nvPr>
-        </p:nvSpPr>
-        <p:spPr/>
-      </p:sp>
-      <p:sp>
-        <p:nvSpPr>
-          <p:cNvPr id="3" name="Notes Placeholder 2">
-            <a:extLst>
-              <a:ext uri="{FF2B5EF4-FFF2-40B4-BE49-F238E27FC236}">
-                <a16:creationId xmlns:a16="http://schemas.microsoft.com/office/drawing/2014/main" id="{DB5ADCC2-2A7E-C35B-286D-904F707AAD86}"/>
-              </a:ext>
-            </a:extLst>
-          </p:cNvPr>
-          <p:cNvSpPr>
-            <a:spLocks noGrp="1"/>
-          </p:cNvSpPr>
-          <p:nvPr>
-            <p:ph type="body" idx="1"/>
-          </p:nvPr>
-        </p:nvSpPr>
-        <p:spPr/>
-        <p:txBody>
-          <a:bodyPr/>
-          <a:lstStyle/>
-          <a:p>
-            <a:endParaRPr lang="en-US" dirty="0"/>
-          </a:p>
-        </p:txBody>
-      </p:sp>
-      <p:sp>
-        <p:nvSpPr>
-          <p:cNvPr id="4" name="Slide Number Placeholder 3">
-            <a:extLst>
-              <a:ext uri="{FF2B5EF4-FFF2-40B4-BE49-F238E27FC236}">
-                <a16:creationId xmlns:a16="http://schemas.microsoft.com/office/drawing/2014/main" id="{4B0DAEA2-4BC7-420E-14A9-F71F81AD02D9}"/>
-              </a:ext>
-            </a:extLst>
-          </p:cNvPr>
-          <p:cNvSpPr>
-            <a:spLocks noGrp="1"/>
-          </p:cNvSpPr>
-          <p:nvPr>
-            <p:ph type="sldNum" sz="quarter" idx="5"/>
-          </p:nvPr>
-        </p:nvSpPr>
-        <p:spPr/>
-        <p:txBody>
-          <a:bodyPr/>
-          <a:lstStyle/>
-          <a:p>
-            <a:fld id="{58C745BE-1764-D04B-8965-3D42F0967C28}" type="slidenum">
-              <a:rPr lang="en-US" smtClean="0"/>
-              <a:t>5</a:t>
-            </a:fld>
-            <a:endParaRPr lang="en-US"/>
-          </a:p>
-        </p:txBody>
-      </p:sp>
-    </p:spTree>
-    <p:extLst>
-      <p:ext uri="{BB962C8B-B14F-4D97-AF65-F5344CB8AC3E}">
-        <p14:creationId xmlns:p14="http://schemas.microsoft.com/office/powerpoint/2010/main" val="2260643277"/>
-      </p:ext>
-    </p:extLst>
-  </p:cSld>
-  <p:clrMapOvr>
-    <a:masterClrMapping/>
-  </p:clrMapOvr>
-</p:notes>
-</file>
-
-<file path=ppt/notesSlides/notesSlide5.xml><?xml version="1.0" encoding="utf-8"?>
-<p:notes xmlns:a="http://schemas.openxmlformats.org/drawingml/2006/main" xmlns:r="http://schemas.openxmlformats.org/officeDocument/2006/relationships" xmlns:p="http://schemas.openxmlformats.org/presentationml/2006/main">
-  <p:cSld>
-    <p:spTree>
-      <p:nvGrpSpPr>
-        <p:cNvPr id="1" name="">
-          <a:extLst>
-            <a:ext uri="{FF2B5EF4-FFF2-40B4-BE49-F238E27FC236}">
               <a16:creationId xmlns:a16="http://schemas.microsoft.com/office/drawing/2014/main" id="{E328E2B1-0900-3442-CC74-6EC022BC063F}"/>
             </a:ext>
           </a:extLst>
@@ -937,7 +833,7 @@
           <a:p>
             <a:fld id="{58C745BE-1764-D04B-8965-3D42F0967C28}" type="slidenum">
               <a:rPr lang="en-US" smtClean="0"/>
-              <a:t>6</a:t>
+              <a:t>5</a:t>
             </a:fld>
             <a:endParaRPr lang="en-US"/>
           </a:p>
@@ -1109,7 +1005,7 @@
           <a:p>
             <a:fld id="{79C5A860-F335-4252-AA00-24FB67ED2982}" type="datetime1">
               <a:rPr lang="en-US" smtClean="0"/>
-              <a:t>11/8/24</a:t>
+              <a:t>11/14/24</a:t>
             </a:fld>
             <a:endParaRPr lang="en-US"/>
           </a:p>
@@ -1308,7 +1204,7 @@
           <a:p>
             <a:fld id="{46AB1048-0047-48CA-88BA-D69B470942CF}" type="datetime1">
               <a:rPr lang="en-US" smtClean="0"/>
-              <a:t>11/8/24</a:t>
+              <a:t>11/14/24</a:t>
             </a:fld>
             <a:endParaRPr lang="en-US"/>
           </a:p>
@@ -1518,7 +1414,7 @@
           <a:p>
             <a:fld id="{5BD83879-648C-49A9-81A2-0EF5946532D0}" type="datetime1">
               <a:rPr lang="en-US" smtClean="0"/>
-              <a:t>11/8/24</a:t>
+              <a:t>11/14/24</a:t>
             </a:fld>
             <a:endParaRPr lang="en-US"/>
           </a:p>
@@ -1716,7 +1612,7 @@
           <a:p>
             <a:fld id="{D04BC802-30E3-4658-9CCA-F873646FEC67}" type="datetime1">
               <a:rPr lang="en-US" smtClean="0"/>
-              <a:t>11/8/24</a:t>
+              <a:t>11/14/24</a:t>
             </a:fld>
             <a:endParaRPr lang="en-US"/>
           </a:p>
@@ -1994,7 +1890,7 @@
           <a:p>
             <a:fld id="{0AB227A3-19CE-4153-81CE-64EB7AB094B3}" type="datetime1">
               <a:rPr lang="en-US" smtClean="0"/>
-              <a:t>11/8/24</a:t>
+              <a:t>11/14/24</a:t>
             </a:fld>
             <a:endParaRPr lang="en-US"/>
           </a:p>
@@ -2261,7 +2157,7 @@
           <a:p>
             <a:fld id="{B819A100-10F6-477E-8847-29D479EF1C92}" type="datetime1">
               <a:rPr lang="en-US" smtClean="0"/>
-              <a:t>11/8/24</a:t>
+              <a:t>11/14/24</a:t>
             </a:fld>
             <a:endParaRPr lang="en-US"/>
           </a:p>
@@ -2675,7 +2571,7 @@
           <a:p>
             <a:fld id="{5DF128AB-198A-495F-8475-FDB360C9873F}" type="datetime1">
               <a:rPr lang="en-US" smtClean="0"/>
-              <a:t>11/8/24</a:t>
+              <a:t>11/14/24</a:t>
             </a:fld>
             <a:endParaRPr lang="en-US"/>
           </a:p>
@@ -2816,7 +2712,7 @@
           <a:p>
             <a:fld id="{021A235E-F8FD-479F-9FC7-18BE84110877}" type="datetime1">
               <a:rPr lang="en-US" smtClean="0"/>
-              <a:t>11/8/24</a:t>
+              <a:t>11/14/24</a:t>
             </a:fld>
             <a:endParaRPr lang="en-US"/>
           </a:p>
@@ -2929,7 +2825,7 @@
           <a:p>
             <a:fld id="{E890F09B-68DA-462E-9DB4-4C9ADAB8CBCC}" type="datetime1">
               <a:rPr lang="en-US" smtClean="0"/>
-              <a:t>11/8/24</a:t>
+              <a:t>11/14/24</a:t>
             </a:fld>
             <a:endParaRPr lang="en-US"/>
           </a:p>
@@ -3248,7 +3144,7 @@
           <a:p>
             <a:fld id="{17AC4E36-FABE-47EB-AA7F-C19A93824617}" type="datetime1">
               <a:rPr lang="en-US" smtClean="0"/>
-              <a:t>11/8/24</a:t>
+              <a:t>11/14/24</a:t>
             </a:fld>
             <a:endParaRPr lang="en-US"/>
           </a:p>
@@ -3545,7 +3441,7 @@
           <a:p>
             <a:fld id="{F199CE6B-5DE6-4A2D-B72E-5E8969F9F56F}" type="datetime1">
               <a:rPr lang="en-US" smtClean="0"/>
-              <a:t>11/8/24</a:t>
+              <a:t>11/14/24</a:t>
             </a:fld>
             <a:endParaRPr lang="en-US"/>
           </a:p>
@@ -4403,7 +4299,7 @@
           <a:p>
             <a:fld id="{F481A142-DA77-4A5F-AD1F-14E6C18F0F5F}" type="datetime1">
               <a:rPr lang="en-US" smtClean="0"/>
-              <a:t>11/8/24</a:t>
+              <a:t>11/14/24</a:t>
             </a:fld>
             <a:endParaRPr lang="en-US" dirty="0"/>
           </a:p>
@@ -6589,17 +6485,131 @@
         </p:nvSpPr>
         <p:spPr>
           <a:xfrm>
-            <a:off x="841248" y="2391995"/>
-            <a:ext cx="8197977" cy="3174788"/>
+            <a:off x="841249" y="2391994"/>
+            <a:ext cx="8972054" cy="3000137"/>
           </a:xfrm>
         </p:spPr>
         <p:txBody>
-          <a:bodyPr anchor="b">
+          <a:bodyPr anchor="t">
             <a:normAutofit/>
           </a:bodyPr>
           <a:lstStyle/>
           <a:p>
-            <a:endParaRPr lang="en-US" dirty="0"/>
+            <a:pPr marL="342900" indent="-342900">
+              <a:buFont typeface="Wingdings" pitchFamily="2" charset="2"/>
+              <a:buChar char="q"/>
+            </a:pPr>
+            <a:r>
+              <a:rPr lang="en-US" b="1" dirty="0">
+                <a:solidFill>
+                  <a:schemeClr val="bg2"/>
+                </a:solidFill>
+              </a:rPr>
+              <a:t>Real-Time</a:t>
+            </a:r>
+            <a:r>
+              <a:rPr lang="en-US" b="1" dirty="0">
+                <a:solidFill>
+                  <a:srgbClr val="FEFAFF"/>
+                </a:solidFill>
+              </a:rPr>
+              <a:t> Ingestion</a:t>
+            </a:r>
+            <a:r>
+              <a:rPr lang="en-US" dirty="0">
+                <a:solidFill>
+                  <a:srgbClr val="FEFAFF"/>
+                </a:solidFill>
+              </a:rPr>
+              <a:t>: </a:t>
+            </a:r>
+            <a:r>
+              <a:rPr lang="en-US" dirty="0" err="1">
+                <a:solidFill>
+                  <a:srgbClr val="FEFAFF"/>
+                </a:solidFill>
+              </a:rPr>
+              <a:t>SingleStore’s</a:t>
+            </a:r>
+            <a:r>
+              <a:rPr lang="en-US" dirty="0">
+                <a:solidFill>
+                  <a:srgbClr val="FEFAFF"/>
+                </a:solidFill>
+              </a:rPr>
+              <a:t> high-throughput ingestion enables fast, continuous data flow, crucial for real-time threat monitoring and rapid response.</a:t>
+            </a:r>
+          </a:p>
+          <a:p>
+            <a:pPr marL="342900" indent="-342900">
+              <a:buFont typeface="Wingdings" pitchFamily="2" charset="2"/>
+              <a:buChar char="q"/>
+            </a:pPr>
+            <a:r>
+              <a:rPr lang="en-US" b="1" dirty="0">
+                <a:solidFill>
+                  <a:schemeClr val="bg2"/>
+                </a:solidFill>
+              </a:rPr>
+              <a:t>Optimized</a:t>
+            </a:r>
+            <a:r>
+              <a:rPr lang="en-US" b="1" dirty="0">
+                <a:solidFill>
+                  <a:srgbClr val="FEFAFF"/>
+                </a:solidFill>
+              </a:rPr>
+              <a:t> Storage</a:t>
+            </a:r>
+            <a:r>
+              <a:rPr lang="en-US" dirty="0">
+                <a:solidFill>
+                  <a:srgbClr val="FEFAFF"/>
+                </a:solidFill>
+              </a:rPr>
+              <a:t>: </a:t>
+            </a:r>
+            <a:r>
+              <a:rPr lang="en-US" dirty="0" err="1">
+                <a:solidFill>
+                  <a:srgbClr val="FEFAFF"/>
+                </a:solidFill>
+              </a:rPr>
+              <a:t>Columnstore</a:t>
+            </a:r>
+            <a:r>
+              <a:rPr lang="en-US" dirty="0">
+                <a:solidFill>
+                  <a:srgbClr val="FEFAFF"/>
+                </a:solidFill>
+              </a:rPr>
+              <a:t> tables efficiently store and query large datasets, supporting quick retrieval and analysis of terrorism trends.</a:t>
+            </a:r>
+          </a:p>
+          <a:p>
+            <a:pPr marL="342900" indent="-342900">
+              <a:buFont typeface="Wingdings" pitchFamily="2" charset="2"/>
+              <a:buChar char="q"/>
+            </a:pPr>
+            <a:endParaRPr lang="en-US" dirty="0">
+              <a:solidFill>
+                <a:srgbClr val="FEFAFF"/>
+              </a:solidFill>
+            </a:endParaRPr>
+          </a:p>
+          <a:p>
+            <a:pPr marL="342900" indent="-342900">
+              <a:buFont typeface="Arial" panose="020B0604020202020204" pitchFamily="34" charset="0"/>
+              <a:buChar char="•"/>
+            </a:pPr>
+            <a:r>
+              <a:rPr lang="en-US" dirty="0">
+                <a:solidFill>
+                  <a:srgbClr val="FEFAFF"/>
+                </a:solidFill>
+              </a:rPr>
+              <a:t>Example: Global Terrorism Threat Analysis </a:t>
+            </a:r>
           </a:p>
         </p:txBody>
       </p:sp>
@@ -7143,11 +7153,130 @@
         </p:spPr>
         <p:txBody>
           <a:bodyPr anchor="b">
-            <a:normAutofit/>
+            <a:normAutofit lnSpcReduction="10000"/>
           </a:bodyPr>
           <a:lstStyle/>
           <a:p>
-            <a:endParaRPr lang="en-US" dirty="0"/>
+            <a:pPr marL="342900" indent="-342900">
+              <a:buFont typeface="Wingdings" pitchFamily="2" charset="2"/>
+              <a:buChar char="q"/>
+            </a:pPr>
+            <a:r>
+              <a:rPr lang="en-US" b="1" dirty="0">
+                <a:solidFill>
+                  <a:schemeClr val="bg2"/>
+                </a:solidFill>
+              </a:rPr>
+              <a:t>Shard Keys </a:t>
+            </a:r>
+            <a:r>
+              <a:rPr lang="en-US" b="1" dirty="0">
+                <a:solidFill>
+                  <a:srgbClr val="FEFAFF"/>
+                </a:solidFill>
+              </a:rPr>
+              <a:t>for Distributed Access</a:t>
+            </a:r>
+            <a:r>
+              <a:rPr lang="en-US" dirty="0">
+                <a:solidFill>
+                  <a:srgbClr val="FEFAFF"/>
+                </a:solidFill>
+              </a:rPr>
+              <a:t>: Shard keys distribute data across nodes, </a:t>
+            </a:r>
+            <a:r>
+              <a:rPr lang="en-US" dirty="0">
+                <a:solidFill>
+                  <a:schemeClr val="bg2"/>
+                </a:solidFill>
+              </a:rPr>
+              <a:t>improving speed and scalability </a:t>
+            </a:r>
+            <a:r>
+              <a:rPr lang="en-US" dirty="0">
+                <a:solidFill>
+                  <a:srgbClr val="FEFAFF"/>
+                </a:solidFill>
+              </a:rPr>
+              <a:t>for high-demand defense applications.</a:t>
+            </a:r>
+          </a:p>
+          <a:p>
+            <a:pPr marL="342900" indent="-342900">
+              <a:buFont typeface="Wingdings" pitchFamily="2" charset="2"/>
+              <a:buChar char="q"/>
+            </a:pPr>
+            <a:r>
+              <a:rPr lang="en-US" b="1" dirty="0">
+                <a:solidFill>
+                  <a:schemeClr val="bg2"/>
+                </a:solidFill>
+              </a:rPr>
+              <a:t>Sort Keys </a:t>
+            </a:r>
+            <a:r>
+              <a:rPr lang="en-US" b="1" dirty="0">
+                <a:solidFill>
+                  <a:srgbClr val="FEFAFF"/>
+                </a:solidFill>
+              </a:rPr>
+              <a:t>for Faster Querying</a:t>
+            </a:r>
+            <a:r>
+              <a:rPr lang="en-US" dirty="0">
+                <a:solidFill>
+                  <a:srgbClr val="FEFAFF"/>
+                </a:solidFill>
+              </a:rPr>
+              <a:t>: Sorting by relevant fields optimizes query performance, enabling defense teams to </a:t>
+            </a:r>
+            <a:r>
+              <a:rPr lang="en-US" dirty="0">
+                <a:solidFill>
+                  <a:schemeClr val="bg2"/>
+                </a:solidFill>
+              </a:rPr>
+              <a:t>efficiently analyze large datasets </a:t>
+            </a:r>
+            <a:r>
+              <a:rPr lang="en-US" dirty="0">
+                <a:solidFill>
+                  <a:srgbClr val="FEFAFF"/>
+                </a:solidFill>
+              </a:rPr>
+              <a:t>and identify critical patterns.</a:t>
+            </a:r>
+          </a:p>
+          <a:p>
+            <a:pPr marL="342900" indent="-342900">
+              <a:buFont typeface="Wingdings" pitchFamily="2" charset="2"/>
+              <a:buChar char="q"/>
+            </a:pPr>
+            <a:r>
+              <a:rPr lang="en-US" b="1" dirty="0">
+                <a:solidFill>
+                  <a:srgbClr val="FEFAFF"/>
+                </a:solidFill>
+              </a:rPr>
+              <a:t>Enhanced </a:t>
+            </a:r>
+            <a:r>
+              <a:rPr lang="en-US" b="1" dirty="0">
+                <a:solidFill>
+                  <a:schemeClr val="bg2"/>
+                </a:solidFill>
+              </a:rPr>
+              <a:t>Real-Time Analysis</a:t>
+            </a:r>
+            <a:r>
+              <a:rPr lang="en-US" dirty="0">
+                <a:solidFill>
+                  <a:srgbClr val="FEFAFF"/>
+                </a:solidFill>
+              </a:rPr>
+              <a:t>: Together, shard and sort keys reduce data processing time, supporting real-time insights crucial for defense operations and rapid decision-making.</a:t>
+            </a:r>
           </a:p>
         </p:txBody>
       </p:sp>
@@ -7488,7 +7617,7 @@
         <p:cNvPr id="1" name="">
           <a:extLst>
             <a:ext uri="{FF2B5EF4-FFF2-40B4-BE49-F238E27FC236}">
-              <a16:creationId xmlns:a16="http://schemas.microsoft.com/office/drawing/2014/main" id="{B51D3763-8C81-8A00-12D9-17DCA4F2E62E}"/>
+              <a16:creationId xmlns:a16="http://schemas.microsoft.com/office/drawing/2014/main" id="{64792434-E38F-142C-4376-967E25183635}"/>
             </a:ext>
           </a:extLst>
         </p:cNvPr>
@@ -7508,7 +7637,7 @@
           <p:cNvPr id="8" name="Background Fill">
             <a:extLst>
               <a:ext uri="{FF2B5EF4-FFF2-40B4-BE49-F238E27FC236}">
-                <a16:creationId xmlns:a16="http://schemas.microsoft.com/office/drawing/2014/main" id="{560B76D3-F81D-30FF-D2BA-1BF69DD59460}"/>
+                <a16:creationId xmlns:a16="http://schemas.microsoft.com/office/drawing/2014/main" id="{6966D8F0-57CA-5A57-1F77-BE0FC7B9010A}"/>
               </a:ext>
               <a:ext uri="{C183D7F6-B498-43B3-948B-1728B52AA6E4}">
                 <adec:decorative xmlns:adec="http://schemas.microsoft.com/office/drawing/2017/decorative" val="1"/>
@@ -7568,7 +7697,7 @@
           <p:cNvPr id="10" name="Rectangle 9">
             <a:extLst>
               <a:ext uri="{FF2B5EF4-FFF2-40B4-BE49-F238E27FC236}">
-                <a16:creationId xmlns:a16="http://schemas.microsoft.com/office/drawing/2014/main" id="{303263BE-0C91-B3DB-6323-5A50043D5E60}"/>
+                <a16:creationId xmlns:a16="http://schemas.microsoft.com/office/drawing/2014/main" id="{14C789D7-04BB-B837-D324-2CAC3CA78895}"/>
               </a:ext>
               <a:ext uri="{C183D7F6-B498-43B3-948B-1728B52AA6E4}">
                 <adec:decorative xmlns:adec="http://schemas.microsoft.com/office/drawing/2017/decorative" val="1"/>
@@ -7633,7 +7762,7 @@
           <p:cNvPr id="2" name="Title 1">
             <a:extLst>
               <a:ext uri="{FF2B5EF4-FFF2-40B4-BE49-F238E27FC236}">
-                <a16:creationId xmlns:a16="http://schemas.microsoft.com/office/drawing/2014/main" id="{D05FDD4B-2F4A-6861-ADD9-068EC64C096D}"/>
+                <a16:creationId xmlns:a16="http://schemas.microsoft.com/office/drawing/2014/main" id="{862A7CF3-65FB-9FEC-548C-2EDFF4216DA3}"/>
               </a:ext>
             </a:extLst>
           </p:cNvPr>
@@ -7662,7 +7791,7 @@
                   <a:schemeClr val="tx2"/>
                 </a:solidFill>
               </a:rPr>
-              <a:t>Analysis + Visualization</a:t>
+              <a:t>Value Proposition</a:t>
             </a:r>
           </a:p>
         </p:txBody>
@@ -7672,7 +7801,7 @@
           <p:cNvPr id="3" name="Content Placeholder 2">
             <a:extLst>
               <a:ext uri="{FF2B5EF4-FFF2-40B4-BE49-F238E27FC236}">
-                <a16:creationId xmlns:a16="http://schemas.microsoft.com/office/drawing/2014/main" id="{B59EEE02-56F7-DBF1-F302-07540B6EED28}"/>
+                <a16:creationId xmlns:a16="http://schemas.microsoft.com/office/drawing/2014/main" id="{847DE818-42D9-6A11-40A2-90BF179956D1}"/>
               </a:ext>
             </a:extLst>
           </p:cNvPr>
@@ -7685,8 +7814,8 @@
         </p:nvSpPr>
         <p:spPr>
           <a:xfrm>
-            <a:off x="841248" y="2391995"/>
-            <a:ext cx="8197977" cy="3174788"/>
+            <a:off x="1671807" y="2419213"/>
+            <a:ext cx="8845338" cy="3377269"/>
           </a:xfrm>
         </p:spPr>
         <p:txBody>
@@ -7695,555 +7824,104 @@
           </a:bodyPr>
           <a:lstStyle/>
           <a:p>
-            <a:endParaRPr lang="en-US" dirty="0"/>
-          </a:p>
-        </p:txBody>
-      </p:sp>
-      <p:sp>
-        <p:nvSpPr>
-          <p:cNvPr id="12" name="Freeform: Shape 11">
-            <a:extLst>
-              <a:ext uri="{FF2B5EF4-FFF2-40B4-BE49-F238E27FC236}">
-                <a16:creationId xmlns:a16="http://schemas.microsoft.com/office/drawing/2014/main" id="{72DF8F0E-0B87-3388-CE53-2252E15AD1F2}"/>
-              </a:ext>
-              <a:ext uri="{C183D7F6-B498-43B3-948B-1728B52AA6E4}">
-                <adec:decorative xmlns:adec="http://schemas.microsoft.com/office/drawing/2017/decorative" val="1"/>
-              </a:ext>
-            </a:extLst>
-          </p:cNvPr>
-          <p:cNvSpPr>
-            <a:spLocks noGrp="1" noRot="1" noChangeAspect="1" noMove="1" noResize="1" noEditPoints="1" noAdjustHandles="1" noChangeArrowheads="1" noChangeShapeType="1" noTextEdit="1"/>
-          </p:cNvSpPr>
-          <p:nvPr>
-            <p:extLst>
-              <p:ext uri="{386F3935-93C4-4BCD-93E2-E3B085C9AB24}">
-                <p16:designElem xmlns:p16="http://schemas.microsoft.com/office/powerpoint/2015/main" val="1"/>
-              </p:ext>
-            </p:extLst>
-          </p:nvPr>
-        </p:nvSpPr>
-        <p:spPr>
-          <a:xfrm>
-            <a:off x="9258188" y="0"/>
-            <a:ext cx="2933812" cy="2750153"/>
-          </a:xfrm>
-          <a:custGeom>
-            <a:avLst/>
-            <a:gdLst>
-              <a:gd name="connsiteX0" fmla="*/ 1067830 w 2933812"/>
-              <a:gd name="connsiteY0" fmla="*/ 776732 h 2750153"/>
-              <a:gd name="connsiteX1" fmla="*/ 1305537 w 2933812"/>
-              <a:gd name="connsiteY1" fmla="*/ 842083 h 2750153"/>
-              <a:gd name="connsiteX2" fmla="*/ 1421053 w 2933812"/>
-              <a:gd name="connsiteY2" fmla="*/ 1397856 h 2750153"/>
-              <a:gd name="connsiteX3" fmla="*/ 865267 w 2933812"/>
-              <a:gd name="connsiteY3" fmla="*/ 1513301 h 2750153"/>
-              <a:gd name="connsiteX4" fmla="*/ 749819 w 2933812"/>
-              <a:gd name="connsiteY4" fmla="*/ 957568 h 2750153"/>
-              <a:gd name="connsiteX5" fmla="*/ 836727 w 2933812"/>
-              <a:gd name="connsiteY5" fmla="*/ 862679 h 2750153"/>
-              <a:gd name="connsiteX6" fmla="*/ 1067830 w 2933812"/>
-              <a:gd name="connsiteY6" fmla="*/ 776732 h 2750153"/>
-              <a:gd name="connsiteX7" fmla="*/ 209205 w 2933812"/>
-              <a:gd name="connsiteY7" fmla="*/ 551704 h 2750153"/>
-              <a:gd name="connsiteX8" fmla="*/ 328901 w 2933812"/>
-              <a:gd name="connsiteY8" fmla="*/ 567267 h 2750153"/>
-              <a:gd name="connsiteX9" fmla="*/ 460887 w 2933812"/>
-              <a:gd name="connsiteY9" fmla="*/ 878648 h 2750153"/>
-              <a:gd name="connsiteX10" fmla="*/ 149506 w 2933812"/>
-              <a:gd name="connsiteY10" fmla="*/ 1010633 h 2750153"/>
-              <a:gd name="connsiteX11" fmla="*/ 17517 w 2933812"/>
-              <a:gd name="connsiteY11" fmla="*/ 699260 h 2750153"/>
-              <a:gd name="connsiteX12" fmla="*/ 97142 w 2933812"/>
-              <a:gd name="connsiteY12" fmla="*/ 596577 h 2750153"/>
-              <a:gd name="connsiteX13" fmla="*/ 209205 w 2933812"/>
-              <a:gd name="connsiteY13" fmla="*/ 551704 h 2750153"/>
-              <a:gd name="connsiteX14" fmla="*/ 603014 w 2933812"/>
-              <a:gd name="connsiteY14" fmla="*/ 0 h 2750153"/>
-              <a:gd name="connsiteX15" fmla="*/ 2933812 w 2933812"/>
-              <a:gd name="connsiteY15" fmla="*/ 0 h 2750153"/>
-              <a:gd name="connsiteX16" fmla="*/ 2933812 w 2933812"/>
-              <a:gd name="connsiteY16" fmla="*/ 2748233 h 2750153"/>
-              <a:gd name="connsiteX17" fmla="*/ 2877044 w 2933812"/>
-              <a:gd name="connsiteY17" fmla="*/ 2704219 h 2750153"/>
-              <a:gd name="connsiteX18" fmla="*/ 1987800 w 2933812"/>
-              <a:gd name="connsiteY18" fmla="*/ 2707378 h 2750153"/>
-              <a:gd name="connsiteX19" fmla="*/ 1571775 w 2933812"/>
-              <a:gd name="connsiteY19" fmla="*/ 2085562 h 2750153"/>
-              <a:gd name="connsiteX20" fmla="*/ 2085622 w 2933812"/>
-              <a:gd name="connsiteY20" fmla="*/ 1038354 h 2750153"/>
-              <a:gd name="connsiteX21" fmla="*/ 1614635 w 2933812"/>
-              <a:gd name="connsiteY21" fmla="*/ 560521 h 2750153"/>
-              <a:gd name="connsiteX22" fmla="*/ 825009 w 2933812"/>
-              <a:gd name="connsiteY22" fmla="*/ 518839 h 2750153"/>
-              <a:gd name="connsiteX23" fmla="*/ 599925 w 2933812"/>
-              <a:gd name="connsiteY23" fmla="*/ 14372 h 2750153"/>
-            </a:gdLst>
-            <a:ahLst/>
-            <a:cxnLst>
-              <a:cxn ang="0">
-                <a:pos x="connsiteX0" y="connsiteY0"/>
-              </a:cxn>
-              <a:cxn ang="0">
-                <a:pos x="connsiteX1" y="connsiteY1"/>
-              </a:cxn>
-              <a:cxn ang="0">
-                <a:pos x="connsiteX2" y="connsiteY2"/>
-              </a:cxn>
-              <a:cxn ang="0">
-                <a:pos x="connsiteX3" y="connsiteY3"/>
-              </a:cxn>
-              <a:cxn ang="0">
-                <a:pos x="connsiteX4" y="connsiteY4"/>
-              </a:cxn>
-              <a:cxn ang="0">
-                <a:pos x="connsiteX5" y="connsiteY5"/>
-              </a:cxn>
-              <a:cxn ang="0">
-                <a:pos x="connsiteX6" y="connsiteY6"/>
-              </a:cxn>
-              <a:cxn ang="0">
-                <a:pos x="connsiteX7" y="connsiteY7"/>
-              </a:cxn>
-              <a:cxn ang="0">
-                <a:pos x="connsiteX8" y="connsiteY8"/>
-              </a:cxn>
-              <a:cxn ang="0">
-                <a:pos x="connsiteX9" y="connsiteY9"/>
-              </a:cxn>
-              <a:cxn ang="0">
-                <a:pos x="connsiteX10" y="connsiteY10"/>
-              </a:cxn>
-              <a:cxn ang="0">
-                <a:pos x="connsiteX11" y="connsiteY11"/>
-              </a:cxn>
-              <a:cxn ang="0">
-                <a:pos x="connsiteX12" y="connsiteY12"/>
-              </a:cxn>
-              <a:cxn ang="0">
-                <a:pos x="connsiteX13" y="connsiteY13"/>
-              </a:cxn>
-              <a:cxn ang="0">
-                <a:pos x="connsiteX14" y="connsiteY14"/>
-              </a:cxn>
-              <a:cxn ang="0">
-                <a:pos x="connsiteX15" y="connsiteY15"/>
-              </a:cxn>
-              <a:cxn ang="0">
-                <a:pos x="connsiteX16" y="connsiteY16"/>
-              </a:cxn>
-              <a:cxn ang="0">
-                <a:pos x="connsiteX17" y="connsiteY17"/>
-              </a:cxn>
-              <a:cxn ang="0">
-                <a:pos x="connsiteX18" y="connsiteY18"/>
-              </a:cxn>
-              <a:cxn ang="0">
-                <a:pos x="connsiteX19" y="connsiteY19"/>
-              </a:cxn>
-              <a:cxn ang="0">
-                <a:pos x="connsiteX20" y="connsiteY20"/>
-              </a:cxn>
-              <a:cxn ang="0">
-                <a:pos x="connsiteX21" y="connsiteY21"/>
-              </a:cxn>
-              <a:cxn ang="0">
-                <a:pos x="connsiteX22" y="connsiteY22"/>
-              </a:cxn>
-              <a:cxn ang="0">
-                <a:pos x="connsiteX23" y="connsiteY23"/>
-              </a:cxn>
-            </a:cxnLst>
-            <a:rect l="l" t="t" r="r" b="b"/>
-            <a:pathLst>
-              <a:path w="2933812" h="2750153">
-                <a:moveTo>
-                  <a:pt x="1067830" y="776732"/>
-                </a:moveTo>
-                <a:cubicBezTo>
-                  <a:pt x="1150031" y="773119"/>
-                  <a:pt x="1233332" y="794722"/>
-                  <a:pt x="1305537" y="842083"/>
-                </a:cubicBezTo>
-                <a:cubicBezTo>
-                  <a:pt x="1490941" y="963689"/>
-                  <a:pt x="1542616" y="1212493"/>
-                  <a:pt x="1421053" y="1397856"/>
-                </a:cubicBezTo>
-                <a:cubicBezTo>
-                  <a:pt x="1299424" y="1583173"/>
-                  <a:pt x="1050671" y="1634906"/>
-                  <a:pt x="865267" y="1513301"/>
-                </a:cubicBezTo>
-                <a:cubicBezTo>
-                  <a:pt x="679936" y="1391729"/>
-                  <a:pt x="628260" y="1142925"/>
-                  <a:pt x="749819" y="957568"/>
-                </a:cubicBezTo>
-                <a:cubicBezTo>
-                  <a:pt x="773570" y="921529"/>
-                  <a:pt x="802922" y="889506"/>
-                  <a:pt x="836727" y="862679"/>
-                </a:cubicBezTo>
-                <a:cubicBezTo>
-                  <a:pt x="904529" y="809175"/>
-                  <a:pt x="985629" y="780345"/>
-                  <a:pt x="1067830" y="776732"/>
-                </a:cubicBezTo>
-                <a:close/>
-                <a:moveTo>
-                  <a:pt x="209205" y="551704"/>
-                </a:moveTo>
-                <a:cubicBezTo>
-                  <a:pt x="249147" y="546653"/>
-                  <a:pt x="290360" y="551675"/>
-                  <a:pt x="328901" y="567267"/>
-                </a:cubicBezTo>
-                <a:cubicBezTo>
-                  <a:pt x="451346" y="616809"/>
-                  <a:pt x="510410" y="756201"/>
-                  <a:pt x="460887" y="878648"/>
-                </a:cubicBezTo>
-                <a:cubicBezTo>
-                  <a:pt x="411366" y="1001087"/>
-                  <a:pt x="271948" y="1060182"/>
-                  <a:pt x="149506" y="1010633"/>
-                </a:cubicBezTo>
-                <a:cubicBezTo>
-                  <a:pt x="27060" y="961092"/>
-                  <a:pt x="-32003" y="821699"/>
-                  <a:pt x="17517" y="699260"/>
-                </a:cubicBezTo>
-                <a:cubicBezTo>
-                  <a:pt x="34058" y="658332"/>
-                  <a:pt x="61655" y="622811"/>
-                  <a:pt x="97142" y="596577"/>
-                </a:cubicBezTo>
-                <a:cubicBezTo>
-                  <a:pt x="130594" y="571878"/>
-                  <a:pt x="169264" y="556754"/>
-                  <a:pt x="209205" y="551704"/>
-                </a:cubicBezTo>
-                <a:close/>
-                <a:moveTo>
-                  <a:pt x="603014" y="0"/>
-                </a:moveTo>
-                <a:lnTo>
-                  <a:pt x="2933812" y="0"/>
-                </a:lnTo>
-                <a:lnTo>
-                  <a:pt x="2933812" y="2748233"/>
-                </a:lnTo>
-                <a:lnTo>
-                  <a:pt x="2877044" y="2704219"/>
-                </a:lnTo>
-                <a:cubicBezTo>
-                  <a:pt x="2590402" y="2543052"/>
-                  <a:pt x="2331640" y="2859871"/>
-                  <a:pt x="1987800" y="2707378"/>
-                </a:cubicBezTo>
-                <a:cubicBezTo>
-                  <a:pt x="1763640" y="2607782"/>
-                  <a:pt x="1580044" y="2342268"/>
-                  <a:pt x="1571775" y="2085562"/>
-                </a:cubicBezTo>
-                <a:cubicBezTo>
-                  <a:pt x="1556983" y="1612648"/>
-                  <a:pt x="2147977" y="1430482"/>
-                  <a:pt x="2085622" y="1038354"/>
-                </a:cubicBezTo>
-                <a:cubicBezTo>
-                  <a:pt x="2048252" y="804151"/>
-                  <a:pt x="1799013" y="625551"/>
-                  <a:pt x="1614635" y="560521"/>
-                </a:cubicBezTo>
-                <a:cubicBezTo>
-                  <a:pt x="1263737" y="436354"/>
-                  <a:pt x="1061091" y="667936"/>
-                  <a:pt x="825009" y="518839"/>
-                </a:cubicBezTo>
-                <a:cubicBezTo>
-                  <a:pt x="671642" y="421917"/>
-                  <a:pt x="576178" y="209445"/>
-                  <a:pt x="599925" y="14372"/>
-                </a:cubicBezTo>
-                <a:close/>
-              </a:path>
-            </a:pathLst>
-          </a:custGeom>
-          <a:solidFill>
-            <a:schemeClr val="bg1"/>
-          </a:solidFill>
-          <a:ln>
-            <a:noFill/>
-          </a:ln>
-        </p:spPr>
-        <p:style>
-          <a:lnRef idx="2">
-            <a:schemeClr val="accent1">
-              <a:shade val="50000"/>
-            </a:schemeClr>
-          </a:lnRef>
-          <a:fillRef idx="1">
-            <a:schemeClr val="accent1"/>
-          </a:fillRef>
-          <a:effectRef idx="0">
-            <a:schemeClr val="accent1"/>
-          </a:effectRef>
-          <a:fontRef idx="minor">
-            <a:schemeClr val="lt1"/>
-          </a:fontRef>
-        </p:style>
-        <p:txBody>
-          <a:bodyPr rtlCol="0" anchor="ctr"/>
-          <a:lstStyle/>
-          <a:p>
-            <a:pPr algn="ctr"/>
-            <a:endParaRPr lang="en-US">
-              <a:solidFill>
-                <a:schemeClr val="lt1"/>
-              </a:solidFill>
-            </a:endParaRPr>
-          </a:p>
-        </p:txBody>
-      </p:sp>
-    </p:spTree>
-    <p:extLst>
-      <p:ext uri="{BB962C8B-B14F-4D97-AF65-F5344CB8AC3E}">
-        <p14:creationId xmlns:p14="http://schemas.microsoft.com/office/powerpoint/2010/main" val="3999799783"/>
-      </p:ext>
-    </p:extLst>
-  </p:cSld>
-  <p:clrMapOvr>
-    <a:masterClrMapping/>
-  </p:clrMapOvr>
-</p:sld>
-</file>
-
-<file path=ppt/slides/slide6.xml><?xml version="1.0" encoding="utf-8"?>
-<p:sld xmlns:a="http://schemas.openxmlformats.org/drawingml/2006/main" xmlns:r="http://schemas.openxmlformats.org/officeDocument/2006/relationships" xmlns:p="http://schemas.openxmlformats.org/presentationml/2006/main">
-  <p:cSld>
-    <p:bg>
-      <p:bgPr>
-        <a:solidFill>
-          <a:schemeClr val="tx1"/>
-        </a:solidFill>
-        <a:effectLst/>
-      </p:bgPr>
-    </p:bg>
-    <p:spTree>
-      <p:nvGrpSpPr>
-        <p:cNvPr id="1" name="">
-          <a:extLst>
-            <a:ext uri="{FF2B5EF4-FFF2-40B4-BE49-F238E27FC236}">
-              <a16:creationId xmlns:a16="http://schemas.microsoft.com/office/drawing/2014/main" id="{64792434-E38F-142C-4376-967E25183635}"/>
-            </a:ext>
-          </a:extLst>
-        </p:cNvPr>
-        <p:cNvGrpSpPr/>
-        <p:nvPr/>
-      </p:nvGrpSpPr>
-      <p:grpSpPr>
-        <a:xfrm>
-          <a:off x="0" y="0"/>
-          <a:ext cx="0" cy="0"/>
-          <a:chOff x="0" y="0"/>
-          <a:chExt cx="0" cy="0"/>
-        </a:xfrm>
-      </p:grpSpPr>
-      <p:sp useBgFill="1">
-        <p:nvSpPr>
-          <p:cNvPr id="8" name="Background Fill">
-            <a:extLst>
-              <a:ext uri="{FF2B5EF4-FFF2-40B4-BE49-F238E27FC236}">
-                <a16:creationId xmlns:a16="http://schemas.microsoft.com/office/drawing/2014/main" id="{6966D8F0-57CA-5A57-1F77-BE0FC7B9010A}"/>
-              </a:ext>
-              <a:ext uri="{C183D7F6-B498-43B3-948B-1728B52AA6E4}">
-                <adec:decorative xmlns:adec="http://schemas.microsoft.com/office/drawing/2017/decorative" val="1"/>
-              </a:ext>
-            </a:extLst>
-          </p:cNvPr>
-          <p:cNvSpPr>
-            <a:spLocks noGrp="1" noRot="1" noChangeAspect="1" noMove="1" noResize="1" noEditPoints="1" noAdjustHandles="1" noChangeArrowheads="1" noChangeShapeType="1" noTextEdit="1"/>
-          </p:cNvSpPr>
-          <p:nvPr>
-            <p:extLst>
-              <p:ext uri="{386F3935-93C4-4BCD-93E2-E3B085C9AB24}">
-                <p16:designElem xmlns:p16="http://schemas.microsoft.com/office/powerpoint/2015/main" val="1"/>
-              </p:ext>
-            </p:extLst>
-          </p:nvPr>
-        </p:nvSpPr>
-        <p:spPr>
-          <a:xfrm>
-            <a:off x="0" y="0"/>
-            <a:ext cx="12188952" cy="6858000"/>
-          </a:xfrm>
-          <a:prstGeom prst="rect">
-            <a:avLst/>
-          </a:prstGeom>
-          <a:ln>
-            <a:noFill/>
-          </a:ln>
-        </p:spPr>
-        <p:style>
-          <a:lnRef idx="2">
-            <a:schemeClr val="accent1">
-              <a:shade val="50000"/>
-            </a:schemeClr>
-          </a:lnRef>
-          <a:fillRef idx="1">
-            <a:schemeClr val="accent1"/>
-          </a:fillRef>
-          <a:effectRef idx="0">
-            <a:schemeClr val="accent1"/>
-          </a:effectRef>
-          <a:fontRef idx="minor">
-            <a:schemeClr val="lt1"/>
-          </a:fontRef>
-        </p:style>
-        <p:txBody>
-          <a:bodyPr rtlCol="0" anchor="ctr"/>
-          <a:lstStyle/>
-          <a:p>
-            <a:pPr algn="ctr"/>
-            <a:endParaRPr lang="en-US"/>
-          </a:p>
-        </p:txBody>
-      </p:sp>
-      <p:sp>
-        <p:nvSpPr>
-          <p:cNvPr id="10" name="Rectangle 9">
-            <a:extLst>
-              <a:ext uri="{FF2B5EF4-FFF2-40B4-BE49-F238E27FC236}">
-                <a16:creationId xmlns:a16="http://schemas.microsoft.com/office/drawing/2014/main" id="{14C789D7-04BB-B837-D324-2CAC3CA78895}"/>
-              </a:ext>
-              <a:ext uri="{C183D7F6-B498-43B3-948B-1728B52AA6E4}">
-                <adec:decorative xmlns:adec="http://schemas.microsoft.com/office/drawing/2017/decorative" val="1"/>
-              </a:ext>
-            </a:extLst>
-          </p:cNvPr>
-          <p:cNvSpPr>
-            <a:spLocks noGrp="1" noRot="1" noChangeAspect="1" noMove="1" noResize="1" noEditPoints="1" noAdjustHandles="1" noChangeArrowheads="1" noChangeShapeType="1" noTextEdit="1"/>
-          </p:cNvSpPr>
-          <p:nvPr>
-            <p:extLst>
-              <p:ext uri="{386F3935-93C4-4BCD-93E2-E3B085C9AB24}">
-                <p16:designElem xmlns:p16="http://schemas.microsoft.com/office/powerpoint/2015/main" val="1"/>
-              </p:ext>
-            </p:extLst>
-          </p:nvPr>
-        </p:nvSpPr>
-        <p:spPr>
-          <a:xfrm>
-            <a:off x="0" y="0"/>
-            <a:ext cx="12192001" cy="6858000"/>
-          </a:xfrm>
-          <a:prstGeom prst="rect">
-            <a:avLst/>
-          </a:prstGeom>
-          <a:solidFill>
-            <a:srgbClr val="AEAEAE">
-              <a:alpha val="10000"/>
-            </a:srgbClr>
-          </a:solidFill>
-          <a:ln>
-            <a:noFill/>
-          </a:ln>
-        </p:spPr>
-        <p:style>
-          <a:lnRef idx="2">
-            <a:schemeClr val="accent1">
-              <a:shade val="50000"/>
-            </a:schemeClr>
-          </a:lnRef>
-          <a:fillRef idx="1">
-            <a:schemeClr val="accent1"/>
-          </a:fillRef>
-          <a:effectRef idx="0">
-            <a:schemeClr val="accent1"/>
-          </a:effectRef>
-          <a:fontRef idx="minor">
-            <a:schemeClr val="lt1"/>
-          </a:fontRef>
-        </p:style>
-        <p:txBody>
-          <a:bodyPr rtlCol="0" anchor="ctr"/>
-          <a:lstStyle/>
-          <a:p>
-            <a:pPr algn="ctr"/>
-            <a:endParaRPr lang="en-US" dirty="0"/>
-          </a:p>
-        </p:txBody>
-      </p:sp>
-      <p:sp>
-        <p:nvSpPr>
-          <p:cNvPr id="2" name="Title 1">
-            <a:extLst>
-              <a:ext uri="{FF2B5EF4-FFF2-40B4-BE49-F238E27FC236}">
-                <a16:creationId xmlns:a16="http://schemas.microsoft.com/office/drawing/2014/main" id="{862A7CF3-65FB-9FEC-548C-2EDFF4216DA3}"/>
-              </a:ext>
-            </a:extLst>
-          </p:cNvPr>
-          <p:cNvSpPr>
-            <a:spLocks noGrp="1"/>
-          </p:cNvSpPr>
-          <p:nvPr>
-            <p:ph type="title"/>
-          </p:nvPr>
-        </p:nvSpPr>
-        <p:spPr>
-          <a:xfrm>
-            <a:off x="841248" y="810562"/>
-            <a:ext cx="8197977" cy="1349314"/>
-          </a:xfrm>
-        </p:spPr>
-        <p:txBody>
-          <a:bodyPr>
-            <a:normAutofit/>
-          </a:bodyPr>
-          <a:lstStyle/>
-          <a:p>
+            <a:r>
+              <a:rPr lang="en-US" b="1" dirty="0" err="1">
+                <a:solidFill>
+                  <a:schemeClr val="bg2"/>
+                </a:solidFill>
+              </a:rPr>
+              <a:t>SingleStore</a:t>
+            </a:r>
             <a:r>
               <a:rPr lang="en-US" dirty="0">
                 <a:solidFill>
-                  <a:schemeClr val="tx2"/>
+                  <a:srgbClr val="FEFAFF"/>
                 </a:solidFill>
               </a:rPr>
-              <a:t>Value Proposition</a:t>
-            </a:r>
-          </a:p>
-        </p:txBody>
-      </p:sp>
-      <p:sp>
-        <p:nvSpPr>
-          <p:cNvPr id="3" name="Content Placeholder 2">
-            <a:extLst>
-              <a:ext uri="{FF2B5EF4-FFF2-40B4-BE49-F238E27FC236}">
-                <a16:creationId xmlns:a16="http://schemas.microsoft.com/office/drawing/2014/main" id="{847DE818-42D9-6A11-40A2-90BF179956D1}"/>
-              </a:ext>
-            </a:extLst>
-          </p:cNvPr>
-          <p:cNvSpPr>
-            <a:spLocks noGrp="1"/>
-          </p:cNvSpPr>
-          <p:nvPr>
-            <p:ph idx="1"/>
-          </p:nvPr>
-        </p:nvSpPr>
-        <p:spPr>
-          <a:xfrm>
-            <a:off x="841248" y="2391995"/>
-            <a:ext cx="8197977" cy="3174788"/>
-          </a:xfrm>
-        </p:spPr>
-        <p:txBody>
-          <a:bodyPr anchor="b">
-            <a:normAutofit/>
-          </a:bodyPr>
-          <a:lstStyle/>
-          <a:p>
-            <a:endParaRPr lang="en-US" dirty="0"/>
+              <a:t>  can revolutionize defense data operations by delivering unmatched performance and </a:t>
+            </a:r>
+            <a:r>
+              <a:rPr lang="en-US" dirty="0">
+                <a:solidFill>
+                  <a:schemeClr val="bg2"/>
+                </a:solidFill>
+              </a:rPr>
+              <a:t>scalability</a:t>
+            </a:r>
+            <a:r>
+              <a:rPr lang="en-US" dirty="0">
+                <a:solidFill>
+                  <a:srgbClr val="FEFAFF"/>
+                </a:solidFill>
+              </a:rPr>
+              <a:t> in a single, unified platform. Its ability to handle real-time ingestion, complex analytics, and diverse workloads </a:t>
+            </a:r>
+            <a:r>
+              <a:rPr lang="en-US" dirty="0">
+                <a:solidFill>
+                  <a:schemeClr val="bg2"/>
+                </a:solidFill>
+              </a:rPr>
+              <a:t>eliminates</a:t>
+            </a:r>
+            <a:r>
+              <a:rPr lang="en-US" dirty="0">
+                <a:solidFill>
+                  <a:srgbClr val="FEFAFF"/>
+                </a:solidFill>
+              </a:rPr>
+              <a:t> the need for </a:t>
+            </a:r>
+            <a:r>
+              <a:rPr lang="en-US" dirty="0">
+                <a:solidFill>
+                  <a:schemeClr val="bg2"/>
+                </a:solidFill>
+              </a:rPr>
+              <a:t>multiple databases</a:t>
+            </a:r>
+            <a:r>
+              <a:rPr lang="en-US" dirty="0">
+                <a:solidFill>
+                  <a:srgbClr val="FEFAFF"/>
+                </a:solidFill>
+              </a:rPr>
+              <a:t>, streamlining infrastructure and </a:t>
+            </a:r>
+            <a:r>
+              <a:rPr lang="en-US" dirty="0">
+                <a:solidFill>
+                  <a:schemeClr val="bg2"/>
+                </a:solidFill>
+              </a:rPr>
+              <a:t>reducing operational complexity</a:t>
+            </a:r>
+            <a:r>
+              <a:rPr lang="en-US" dirty="0">
+                <a:solidFill>
+                  <a:srgbClr val="FEFAFF"/>
+                </a:solidFill>
+              </a:rPr>
+              <a:t>. With </a:t>
+            </a:r>
+          </a:p>
+          <a:p>
+            <a:r>
+              <a:rPr lang="en-US" dirty="0" err="1">
+                <a:solidFill>
+                  <a:srgbClr val="FEFAFF"/>
+                </a:solidFill>
+              </a:rPr>
+              <a:t>SingleStore</a:t>
+            </a:r>
+            <a:r>
+              <a:rPr lang="en-US" dirty="0">
+                <a:solidFill>
+                  <a:srgbClr val="FEFAFF"/>
+                </a:solidFill>
+              </a:rPr>
+              <a:t>, defense teams can scale effortlessly to manage vast amounts of critical data, ensuring rapid, reliable insights to adapt to emerging threats and support national security missions without concerns about infrastructure limitations.</a:t>
+            </a:r>
           </a:p>
         </p:txBody>
       </p:sp>
